--- a/Homework/FinalProject/KhanSharjil_Presentation.pptx
+++ b/Homework/FinalProject/KhanSharjil_Presentation.pptx
@@ -527,7 +527,7 @@
           <a:p>
             <a:fld id="{92053A1B-301F-4314-8717-2EAAA53A3465}" type="datetimeFigureOut">
               <a:rPr lang="en-US" smtClean="0"/>
-              <a:t>12/19/2018</a:t>
+              <a:t>12/20/2018</a:t>
             </a:fld>
             <a:endParaRPr lang="en-US"/>
           </a:p>
@@ -706,7 +706,7 @@
           <a:p>
             <a:fld id="{92053A1B-301F-4314-8717-2EAAA53A3465}" type="datetimeFigureOut">
               <a:rPr lang="en-US" smtClean="0"/>
-              <a:t>12/19/2018</a:t>
+              <a:t>12/20/2018</a:t>
             </a:fld>
             <a:endParaRPr lang="en-US"/>
           </a:p>
@@ -886,7 +886,7 @@
           <a:p>
             <a:fld id="{92053A1B-301F-4314-8717-2EAAA53A3465}" type="datetimeFigureOut">
               <a:rPr lang="en-US" smtClean="0"/>
-              <a:t>12/19/2018</a:t>
+              <a:t>12/20/2018</a:t>
             </a:fld>
             <a:endParaRPr lang="en-US"/>
           </a:p>
@@ -1056,7 +1056,7 @@
           <a:p>
             <a:fld id="{92053A1B-301F-4314-8717-2EAAA53A3465}" type="datetimeFigureOut">
               <a:rPr lang="en-US" smtClean="0"/>
-              <a:t>12/19/2018</a:t>
+              <a:t>12/20/2018</a:t>
             </a:fld>
             <a:endParaRPr lang="en-US"/>
           </a:p>
@@ -1369,7 +1369,7 @@
           <a:p>
             <a:fld id="{92053A1B-301F-4314-8717-2EAAA53A3465}" type="datetimeFigureOut">
               <a:rPr lang="en-US" smtClean="0"/>
-              <a:t>12/19/2018</a:t>
+              <a:t>12/20/2018</a:t>
             </a:fld>
             <a:endParaRPr lang="en-US"/>
           </a:p>
@@ -1755,7 +1755,7 @@
           <a:p>
             <a:fld id="{92053A1B-301F-4314-8717-2EAAA53A3465}" type="datetimeFigureOut">
               <a:rPr lang="en-US" smtClean="0"/>
-              <a:t>12/19/2018</a:t>
+              <a:t>12/20/2018</a:t>
             </a:fld>
             <a:endParaRPr lang="en-US"/>
           </a:p>
@@ -2189,7 +2189,7 @@
           <a:p>
             <a:fld id="{92053A1B-301F-4314-8717-2EAAA53A3465}" type="datetimeFigureOut">
               <a:rPr lang="en-US" smtClean="0"/>
-              <a:t>12/19/2018</a:t>
+              <a:t>12/20/2018</a:t>
             </a:fld>
             <a:endParaRPr lang="en-US"/>
           </a:p>
@@ -2307,7 +2307,7 @@
           <a:p>
             <a:fld id="{92053A1B-301F-4314-8717-2EAAA53A3465}" type="datetimeFigureOut">
               <a:rPr lang="en-US" smtClean="0"/>
-              <a:t>12/19/2018</a:t>
+              <a:t>12/20/2018</a:t>
             </a:fld>
             <a:endParaRPr lang="en-US"/>
           </a:p>
@@ -2402,7 +2402,7 @@
           <a:p>
             <a:fld id="{92053A1B-301F-4314-8717-2EAAA53A3465}" type="datetimeFigureOut">
               <a:rPr lang="en-US" smtClean="0"/>
-              <a:t>12/19/2018</a:t>
+              <a:t>12/20/2018</a:t>
             </a:fld>
             <a:endParaRPr lang="en-US"/>
           </a:p>
@@ -2752,7 +2752,7 @@
           <a:p>
             <a:fld id="{92053A1B-301F-4314-8717-2EAAA53A3465}" type="datetimeFigureOut">
               <a:rPr lang="en-US" smtClean="0"/>
-              <a:t>12/19/2018</a:t>
+              <a:t>12/20/2018</a:t>
             </a:fld>
             <a:endParaRPr lang="en-US"/>
           </a:p>
@@ -3177,7 +3177,7 @@
           <a:p>
             <a:fld id="{92053A1B-301F-4314-8717-2EAAA53A3465}" type="datetimeFigureOut">
               <a:rPr lang="en-US" smtClean="0"/>
-              <a:t>12/19/2018</a:t>
+              <a:t>12/20/2018</a:t>
             </a:fld>
             <a:endParaRPr lang="en-US"/>
           </a:p>
@@ -3458,7 +3458,7 @@
           <a:p>
             <a:fld id="{92053A1B-301F-4314-8717-2EAAA53A3465}" type="datetimeFigureOut">
               <a:rPr lang="en-US" smtClean="0"/>
-              <a:t>12/19/2018</a:t>
+              <a:t>12/20/2018</a:t>
             </a:fld>
             <a:endParaRPr lang="en-US"/>
           </a:p>
@@ -4044,7 +4044,7 @@
           <p:cNvPr id="2" name="Title 1">
             <a:extLst>
               <a:ext uri="{FF2B5EF4-FFF2-40B4-BE49-F238E27FC236}">
-                <a16:creationId xmlns:a16="http://schemas.microsoft.com/office/drawing/2014/main" id="{35732236-463D-4A92-9CE8-3048CF0E9109}"/>
+                <a16:creationId xmlns:a16="http://schemas.microsoft.com/office/drawing/2014/main" xmlns="" id="{35732236-463D-4A92-9CE8-3048CF0E9109}"/>
               </a:ext>
             </a:extLst>
           </p:cNvPr>
@@ -4067,6 +4067,10 @@
             <a:br>
               <a:rPr lang="en-US" sz="4800" dirty="0"/>
             </a:br>
+            <a:r>
+              <a:rPr lang="en-US" sz="4800" dirty="0"/>
+              <a:t/>
+            </a:r>
             <a:br>
               <a:rPr lang="en-US" sz="4800" dirty="0"/>
             </a:br>
@@ -4089,7 +4093,7 @@
           <p:cNvPr id="3" name="Subtitle 2">
             <a:extLst>
               <a:ext uri="{FF2B5EF4-FFF2-40B4-BE49-F238E27FC236}">
-                <a16:creationId xmlns:a16="http://schemas.microsoft.com/office/drawing/2014/main" id="{5336302C-80B9-4D72-AE27-501B941C63D9}"/>
+                <a16:creationId xmlns:a16="http://schemas.microsoft.com/office/drawing/2014/main" xmlns="" id="{5336302C-80B9-4D72-AE27-501B941C63D9}"/>
               </a:ext>
             </a:extLst>
           </p:cNvPr>
@@ -4122,6 +4126,13 @@
   <p:clrMapOvr>
     <a:masterClrMapping/>
   </p:clrMapOvr>
+  <p:timing>
+    <p:tnLst>
+      <p:par>
+        <p:cTn id="1" dur="indefinite" restart="never" nodeType="tmRoot"/>
+      </p:par>
+    </p:tnLst>
+  </p:timing>
 </p:sld>
 </file>
 
@@ -4147,7 +4158,7 @@
           <p:cNvPr id="2" name="Title 1">
             <a:extLst>
               <a:ext uri="{FF2B5EF4-FFF2-40B4-BE49-F238E27FC236}">
-                <a16:creationId xmlns:a16="http://schemas.microsoft.com/office/drawing/2014/main" id="{993EF7AE-C2B1-4A37-B703-D77DF16B43E9}"/>
+                <a16:creationId xmlns:a16="http://schemas.microsoft.com/office/drawing/2014/main" xmlns="" id="{993EF7AE-C2B1-4A37-B703-D77DF16B43E9}"/>
               </a:ext>
             </a:extLst>
           </p:cNvPr>
@@ -4177,7 +4188,7 @@
           <p:cNvPr id="4" name="Picture 3">
             <a:extLst>
               <a:ext uri="{FF2B5EF4-FFF2-40B4-BE49-F238E27FC236}">
-                <a16:creationId xmlns:a16="http://schemas.microsoft.com/office/drawing/2014/main" id="{85D8E71E-7D37-4EBA-9965-9B585ABFB06A}"/>
+                <a16:creationId xmlns:a16="http://schemas.microsoft.com/office/drawing/2014/main" xmlns="" id="{85D8E71E-7D37-4EBA-9965-9B585ABFB06A}"/>
               </a:ext>
             </a:extLst>
           </p:cNvPr>
@@ -4205,7 +4216,7 @@
           <p:cNvPr id="5" name="Title 1">
             <a:extLst>
               <a:ext uri="{FF2B5EF4-FFF2-40B4-BE49-F238E27FC236}">
-                <a16:creationId xmlns:a16="http://schemas.microsoft.com/office/drawing/2014/main" id="{2E5D3C1E-E886-47A5-B522-C535C6F5D536}"/>
+                <a16:creationId xmlns:a16="http://schemas.microsoft.com/office/drawing/2014/main" xmlns="" id="{2E5D3C1E-E886-47A5-B522-C535C6F5D536}"/>
               </a:ext>
             </a:extLst>
           </p:cNvPr>
@@ -4271,6 +4282,13 @@
   <p:clrMapOvr>
     <a:masterClrMapping/>
   </p:clrMapOvr>
+  <p:timing>
+    <p:tnLst>
+      <p:par>
+        <p:cTn id="1" dur="indefinite" restart="never" nodeType="tmRoot"/>
+      </p:par>
+    </p:tnLst>
+  </p:timing>
 </p:sld>
 </file>
 
@@ -4296,7 +4314,7 @@
           <p:cNvPr id="2" name="Title 1">
             <a:extLst>
               <a:ext uri="{FF2B5EF4-FFF2-40B4-BE49-F238E27FC236}">
-                <a16:creationId xmlns:a16="http://schemas.microsoft.com/office/drawing/2014/main" id="{993EF7AE-C2B1-4A37-B703-D77DF16B43E9}"/>
+                <a16:creationId xmlns:a16="http://schemas.microsoft.com/office/drawing/2014/main" xmlns="" id="{993EF7AE-C2B1-4A37-B703-D77DF16B43E9}"/>
               </a:ext>
             </a:extLst>
           </p:cNvPr>
@@ -4331,7 +4349,7 @@
           <p:cNvPr id="4" name="Picture 3">
             <a:extLst>
               <a:ext uri="{FF2B5EF4-FFF2-40B4-BE49-F238E27FC236}">
-                <a16:creationId xmlns:a16="http://schemas.microsoft.com/office/drawing/2014/main" id="{A2E454F2-5177-4B29-8F0D-5BE44E0EF809}"/>
+                <a16:creationId xmlns:a16="http://schemas.microsoft.com/office/drawing/2014/main" xmlns="" id="{A2E454F2-5177-4B29-8F0D-5BE44E0EF809}"/>
               </a:ext>
             </a:extLst>
           </p:cNvPr>
@@ -4366,6 +4384,13 @@
   <p:clrMapOvr>
     <a:masterClrMapping/>
   </p:clrMapOvr>
+  <p:timing>
+    <p:tnLst>
+      <p:par>
+        <p:cTn id="1" dur="indefinite" restart="never" nodeType="tmRoot"/>
+      </p:par>
+    </p:tnLst>
+  </p:timing>
 </p:sld>
 </file>
 
@@ -4391,7 +4416,7 @@
           <p:cNvPr id="2" name="Title 1">
             <a:extLst>
               <a:ext uri="{FF2B5EF4-FFF2-40B4-BE49-F238E27FC236}">
-                <a16:creationId xmlns:a16="http://schemas.microsoft.com/office/drawing/2014/main" id="{993EF7AE-C2B1-4A37-B703-D77DF16B43E9}"/>
+                <a16:creationId xmlns:a16="http://schemas.microsoft.com/office/drawing/2014/main" xmlns="" id="{993EF7AE-C2B1-4A37-B703-D77DF16B43E9}"/>
               </a:ext>
             </a:extLst>
           </p:cNvPr>
@@ -4421,7 +4446,7 @@
           <p:cNvPr id="4" name="Title 1">
             <a:extLst>
               <a:ext uri="{FF2B5EF4-FFF2-40B4-BE49-F238E27FC236}">
-                <a16:creationId xmlns:a16="http://schemas.microsoft.com/office/drawing/2014/main" id="{B9F45AC5-6F0F-4206-BC52-3E160D45718F}"/>
+                <a16:creationId xmlns:a16="http://schemas.microsoft.com/office/drawing/2014/main" xmlns="" id="{B9F45AC5-6F0F-4206-BC52-3E160D45718F}"/>
               </a:ext>
             </a:extLst>
           </p:cNvPr>
@@ -4482,7 +4507,7 @@
           <p:cNvPr id="5" name="Picture 4">
             <a:extLst>
               <a:ext uri="{FF2B5EF4-FFF2-40B4-BE49-F238E27FC236}">
-                <a16:creationId xmlns:a16="http://schemas.microsoft.com/office/drawing/2014/main" id="{F92D0A3E-5960-4C70-B3EE-8A049C2F03BA}"/>
+                <a16:creationId xmlns:a16="http://schemas.microsoft.com/office/drawing/2014/main" xmlns="" id="{F92D0A3E-5960-4C70-B3EE-8A049C2F03BA}"/>
               </a:ext>
             </a:extLst>
           </p:cNvPr>
@@ -4515,6 +4540,13 @@
   <p:clrMapOvr>
     <a:masterClrMapping/>
   </p:clrMapOvr>
+  <p:timing>
+    <p:tnLst>
+      <p:par>
+        <p:cTn id="1" dur="indefinite" restart="never" nodeType="tmRoot"/>
+      </p:par>
+    </p:tnLst>
+  </p:timing>
 </p:sld>
 </file>
 
@@ -4540,7 +4572,7 @@
           <p:cNvPr id="2" name="Title 1">
             <a:extLst>
               <a:ext uri="{FF2B5EF4-FFF2-40B4-BE49-F238E27FC236}">
-                <a16:creationId xmlns:a16="http://schemas.microsoft.com/office/drawing/2014/main" id="{7B9FFED0-4A41-40A0-A9C7-87FA1096FC14}"/>
+                <a16:creationId xmlns:a16="http://schemas.microsoft.com/office/drawing/2014/main" xmlns="" id="{7B9FFED0-4A41-40A0-A9C7-87FA1096FC14}"/>
               </a:ext>
             </a:extLst>
           </p:cNvPr>
@@ -4570,7 +4602,7 @@
           <p:cNvPr id="3" name="Content Placeholder 2">
             <a:extLst>
               <a:ext uri="{FF2B5EF4-FFF2-40B4-BE49-F238E27FC236}">
-                <a16:creationId xmlns:a16="http://schemas.microsoft.com/office/drawing/2014/main" id="{FC1DAB3C-71CC-4877-8C69-44D54B8667E2}"/>
+                <a16:creationId xmlns:a16="http://schemas.microsoft.com/office/drawing/2014/main" xmlns="" id="{FC1DAB3C-71CC-4877-8C69-44D54B8667E2}"/>
               </a:ext>
             </a:extLst>
           </p:cNvPr>
@@ -4626,7 +4658,15 @@
           <a:p>
             <a:r>
               <a:rPr lang="en-US" dirty="0"/>
-              <a:t>Pre-Trained Xception Model with some modifications (Transfer Learning):</a:t>
+              <a:t>Pre-Trained </a:t>
+            </a:r>
+            <a:r>
+              <a:rPr lang="en-US" dirty="0" err="1"/>
+              <a:t>Xception</a:t>
+            </a:r>
+            <a:r>
+              <a:rPr lang="en-US" dirty="0"/>
+              <a:t> Model with some modifications (Transfer Learning):</a:t>
             </a:r>
           </a:p>
           <a:p>
@@ -4655,6 +4695,13 @@
   <p:clrMapOvr>
     <a:masterClrMapping/>
   </p:clrMapOvr>
+  <p:timing>
+    <p:tnLst>
+      <p:par>
+        <p:cTn id="1" dur="indefinite" restart="never" nodeType="tmRoot"/>
+      </p:par>
+    </p:tnLst>
+  </p:timing>
 </p:sld>
 </file>
 
@@ -4680,7 +4727,7 @@
           <p:cNvPr id="2" name="Title 1">
             <a:extLst>
               <a:ext uri="{FF2B5EF4-FFF2-40B4-BE49-F238E27FC236}">
-                <a16:creationId xmlns:a16="http://schemas.microsoft.com/office/drawing/2014/main" id="{9FA4EDE4-FC77-48DA-8FD4-4DA509276B06}"/>
+                <a16:creationId xmlns:a16="http://schemas.microsoft.com/office/drawing/2014/main" xmlns="" id="{9FA4EDE4-FC77-48DA-8FD4-4DA509276B06}"/>
               </a:ext>
             </a:extLst>
           </p:cNvPr>
@@ -4710,7 +4757,7 @@
           <p:cNvPr id="3" name="Content Placeholder 2">
             <a:extLst>
               <a:ext uri="{FF2B5EF4-FFF2-40B4-BE49-F238E27FC236}">
-                <a16:creationId xmlns:a16="http://schemas.microsoft.com/office/drawing/2014/main" id="{D184AF6E-07BC-4497-BA61-4A1D2DBA013F}"/>
+                <a16:creationId xmlns:a16="http://schemas.microsoft.com/office/drawing/2014/main" xmlns="" id="{D184AF6E-07BC-4497-BA61-4A1D2DBA013F}"/>
               </a:ext>
             </a:extLst>
           </p:cNvPr>
@@ -4774,7 +4821,7 @@
           <p:cNvPr id="4" name="Picture 3">
             <a:extLst>
               <a:ext uri="{FF2B5EF4-FFF2-40B4-BE49-F238E27FC236}">
-                <a16:creationId xmlns:a16="http://schemas.microsoft.com/office/drawing/2014/main" id="{FB7DDFB5-ABC2-475B-B671-BFE7E3A9C2D4}"/>
+                <a16:creationId xmlns:a16="http://schemas.microsoft.com/office/drawing/2014/main" xmlns="" id="{FB7DDFB5-ABC2-475B-B671-BFE7E3A9C2D4}"/>
               </a:ext>
             </a:extLst>
           </p:cNvPr>
@@ -4809,6 +4856,13 @@
   <p:clrMapOvr>
     <a:masterClrMapping/>
   </p:clrMapOvr>
+  <p:timing>
+    <p:tnLst>
+      <p:par>
+        <p:cTn id="1" dur="indefinite" restart="never" nodeType="tmRoot"/>
+      </p:par>
+    </p:tnLst>
+  </p:timing>
 </p:sld>
 </file>
 
@@ -4834,7 +4888,7 @@
           <p:cNvPr id="2" name="Title 1">
             <a:extLst>
               <a:ext uri="{FF2B5EF4-FFF2-40B4-BE49-F238E27FC236}">
-                <a16:creationId xmlns:a16="http://schemas.microsoft.com/office/drawing/2014/main" id="{048E6D79-C329-4445-99BE-06EFAE6007F4}"/>
+                <a16:creationId xmlns:a16="http://schemas.microsoft.com/office/drawing/2014/main" xmlns="" id="{048E6D79-C329-4445-99BE-06EFAE6007F4}"/>
               </a:ext>
             </a:extLst>
           </p:cNvPr>
@@ -4864,7 +4918,7 @@
           <p:cNvPr id="3" name="Content Placeholder 2">
             <a:extLst>
               <a:ext uri="{FF2B5EF4-FFF2-40B4-BE49-F238E27FC236}">
-                <a16:creationId xmlns:a16="http://schemas.microsoft.com/office/drawing/2014/main" id="{E3307690-2C94-4420-AB5C-CF366A400542}"/>
+                <a16:creationId xmlns:a16="http://schemas.microsoft.com/office/drawing/2014/main" xmlns="" id="{E3307690-2C94-4420-AB5C-CF366A400542}"/>
               </a:ext>
             </a:extLst>
           </p:cNvPr>
@@ -4911,7 +4965,15 @@
           <a:p>
             <a:r>
               <a:rPr lang="en-US" dirty="0"/>
-              <a:t>Then move on to more difficult problems such as classify between 16 or 32 breeds</a:t>
+              <a:t>Then move on to more difficult problems </a:t>
+            </a:r>
+            <a:r>
+              <a:rPr lang="en-US" dirty="0" smtClean="0"/>
+              <a:t>of classifying </a:t>
+            </a:r>
+            <a:r>
+              <a:rPr lang="en-US" dirty="0"/>
+              <a:t>between 16 or 32 breeds</a:t>
             </a:r>
           </a:p>
           <a:p>
@@ -4938,6 +5000,13 @@
   <p:clrMapOvr>
     <a:masterClrMapping/>
   </p:clrMapOvr>
+  <p:timing>
+    <p:tnLst>
+      <p:par>
+        <p:cTn id="1" dur="indefinite" restart="never" nodeType="tmRoot"/>
+      </p:par>
+    </p:tnLst>
+  </p:timing>
 </p:sld>
 </file>
 
@@ -4963,7 +5032,7 @@
           <p:cNvPr id="2" name="Title 1">
             <a:extLst>
               <a:ext uri="{FF2B5EF4-FFF2-40B4-BE49-F238E27FC236}">
-                <a16:creationId xmlns:a16="http://schemas.microsoft.com/office/drawing/2014/main" id="{0FCC0939-C62E-4077-BC1C-65E209B3CBBD}"/>
+                <a16:creationId xmlns:a16="http://schemas.microsoft.com/office/drawing/2014/main" xmlns="" id="{0FCC0939-C62E-4077-BC1C-65E209B3CBBD}"/>
               </a:ext>
             </a:extLst>
           </p:cNvPr>
@@ -4998,7 +5067,7 @@
           <p:cNvPr id="4" name="Picture 3">
             <a:extLst>
               <a:ext uri="{FF2B5EF4-FFF2-40B4-BE49-F238E27FC236}">
-                <a16:creationId xmlns:a16="http://schemas.microsoft.com/office/drawing/2014/main" id="{6CAD951E-273B-4AE6-8543-DA1408679C74}"/>
+                <a16:creationId xmlns:a16="http://schemas.microsoft.com/office/drawing/2014/main" xmlns="" id="{6CAD951E-273B-4AE6-8543-DA1408679C74}"/>
               </a:ext>
             </a:extLst>
           </p:cNvPr>
@@ -5013,7 +5082,7 @@
         </p:blipFill>
         <p:spPr>
           <a:xfrm>
-            <a:off x="3396343" y="181947"/>
+            <a:off x="3908407" y="181947"/>
             <a:ext cx="6531429" cy="6494106"/>
           </a:xfrm>
           <a:prstGeom prst="rect">
@@ -5031,6 +5100,13 @@
   <p:clrMapOvr>
     <a:masterClrMapping/>
   </p:clrMapOvr>
+  <p:timing>
+    <p:tnLst>
+      <p:par>
+        <p:cTn id="1" dur="indefinite" restart="never" nodeType="tmRoot"/>
+      </p:par>
+    </p:tnLst>
+  </p:timing>
 </p:sld>
 </file>
 
@@ -5056,7 +5132,7 @@
           <p:cNvPr id="2" name="Title 1">
             <a:extLst>
               <a:ext uri="{FF2B5EF4-FFF2-40B4-BE49-F238E27FC236}">
-                <a16:creationId xmlns:a16="http://schemas.microsoft.com/office/drawing/2014/main" id="{993EF7AE-C2B1-4A37-B703-D77DF16B43E9}"/>
+                <a16:creationId xmlns:a16="http://schemas.microsoft.com/office/drawing/2014/main" xmlns="" id="{993EF7AE-C2B1-4A37-B703-D77DF16B43E9}"/>
               </a:ext>
             </a:extLst>
           </p:cNvPr>
@@ -5091,7 +5167,7 @@
           <p:cNvPr id="4" name="Picture 3">
             <a:extLst>
               <a:ext uri="{FF2B5EF4-FFF2-40B4-BE49-F238E27FC236}">
-                <a16:creationId xmlns:a16="http://schemas.microsoft.com/office/drawing/2014/main" id="{32BB8238-BA65-49F5-9965-9B3DCAD5518F}"/>
+                <a16:creationId xmlns:a16="http://schemas.microsoft.com/office/drawing/2014/main" xmlns="" id="{32BB8238-BA65-49F5-9965-9B3DCAD5518F}"/>
               </a:ext>
             </a:extLst>
           </p:cNvPr>
@@ -5119,7 +5195,7 @@
           <p:cNvPr id="5" name="Title 1">
             <a:extLst>
               <a:ext uri="{FF2B5EF4-FFF2-40B4-BE49-F238E27FC236}">
-                <a16:creationId xmlns:a16="http://schemas.microsoft.com/office/drawing/2014/main" id="{279A483E-F091-4ACC-9525-67EA21C3149E}"/>
+                <a16:creationId xmlns:a16="http://schemas.microsoft.com/office/drawing/2014/main" xmlns="" id="{279A483E-F091-4ACC-9525-67EA21C3149E}"/>
               </a:ext>
             </a:extLst>
           </p:cNvPr>
@@ -5185,6 +5261,13 @@
   <p:clrMapOvr>
     <a:masterClrMapping/>
   </p:clrMapOvr>
+  <p:timing>
+    <p:tnLst>
+      <p:par>
+        <p:cTn id="1" dur="indefinite" restart="never" nodeType="tmRoot"/>
+      </p:par>
+    </p:tnLst>
+  </p:timing>
 </p:sld>
 </file>
 
@@ -5210,7 +5293,7 @@
           <p:cNvPr id="2" name="Title 1">
             <a:extLst>
               <a:ext uri="{FF2B5EF4-FFF2-40B4-BE49-F238E27FC236}">
-                <a16:creationId xmlns:a16="http://schemas.microsoft.com/office/drawing/2014/main" id="{993EF7AE-C2B1-4A37-B703-D77DF16B43E9}"/>
+                <a16:creationId xmlns:a16="http://schemas.microsoft.com/office/drawing/2014/main" xmlns="" id="{993EF7AE-C2B1-4A37-B703-D77DF16B43E9}"/>
               </a:ext>
             </a:extLst>
           </p:cNvPr>
@@ -5245,7 +5328,7 @@
           <p:cNvPr id="4" name="Picture 3">
             <a:extLst>
               <a:ext uri="{FF2B5EF4-FFF2-40B4-BE49-F238E27FC236}">
-                <a16:creationId xmlns:a16="http://schemas.microsoft.com/office/drawing/2014/main" id="{B251AD71-ED7C-4A39-95F0-05232AB314C7}"/>
+                <a16:creationId xmlns:a16="http://schemas.microsoft.com/office/drawing/2014/main" xmlns="" id="{B251AD71-ED7C-4A39-95F0-05232AB314C7}"/>
               </a:ext>
             </a:extLst>
           </p:cNvPr>
@@ -5273,7 +5356,7 @@
           <p:cNvPr id="7" name="Title 1">
             <a:extLst>
               <a:ext uri="{FF2B5EF4-FFF2-40B4-BE49-F238E27FC236}">
-                <a16:creationId xmlns:a16="http://schemas.microsoft.com/office/drawing/2014/main" id="{D0EF19C2-4D6C-4A7E-A0AC-8A4E089822AF}"/>
+                <a16:creationId xmlns:a16="http://schemas.microsoft.com/office/drawing/2014/main" xmlns="" id="{D0EF19C2-4D6C-4A7E-A0AC-8A4E089822AF}"/>
               </a:ext>
             </a:extLst>
           </p:cNvPr>
@@ -5295,7 +5378,7 @@
         </p:spPr>
         <p:txBody>
           <a:bodyPr vert="horz" lIns="91440" tIns="45720" rIns="91440" bIns="45720" rtlCol="0" anchor="ctr">
-            <a:normAutofit/>
+            <a:normAutofit fontScale="92500"/>
           </a:bodyPr>
           <a:lstStyle>
             <a:lvl1pPr algn="l" defTabSz="914400" rtl="0" eaLnBrk="1" latinLnBrk="0" hangingPunct="1">
@@ -5341,6 +5424,13 @@
   <p:clrMapOvr>
     <a:masterClrMapping/>
   </p:clrMapOvr>
+  <p:timing>
+    <p:tnLst>
+      <p:par>
+        <p:cTn id="1" dur="indefinite" restart="never" nodeType="tmRoot"/>
+      </p:par>
+    </p:tnLst>
+  </p:timing>
 </p:sld>
 </file>
 
@@ -5366,7 +5456,7 @@
           <p:cNvPr id="2" name="Title 1">
             <a:extLst>
               <a:ext uri="{FF2B5EF4-FFF2-40B4-BE49-F238E27FC236}">
-                <a16:creationId xmlns:a16="http://schemas.microsoft.com/office/drawing/2014/main" id="{993EF7AE-C2B1-4A37-B703-D77DF16B43E9}"/>
+                <a16:creationId xmlns:a16="http://schemas.microsoft.com/office/drawing/2014/main" xmlns="" id="{993EF7AE-C2B1-4A37-B703-D77DF16B43E9}"/>
               </a:ext>
             </a:extLst>
           </p:cNvPr>
@@ -5401,7 +5491,7 @@
           <p:cNvPr id="4" name="Title 1">
             <a:extLst>
               <a:ext uri="{FF2B5EF4-FFF2-40B4-BE49-F238E27FC236}">
-                <a16:creationId xmlns:a16="http://schemas.microsoft.com/office/drawing/2014/main" id="{DDE212F5-8B33-4257-934F-DC511ABB87B1}"/>
+                <a16:creationId xmlns:a16="http://schemas.microsoft.com/office/drawing/2014/main" xmlns="" id="{DDE212F5-8B33-4257-934F-DC511ABB87B1}"/>
               </a:ext>
             </a:extLst>
           </p:cNvPr>
@@ -5462,7 +5552,7 @@
           <p:cNvPr id="5" name="Picture 4">
             <a:extLst>
               <a:ext uri="{FF2B5EF4-FFF2-40B4-BE49-F238E27FC236}">
-                <a16:creationId xmlns:a16="http://schemas.microsoft.com/office/drawing/2014/main" id="{FE90F614-AC4A-442B-82E1-F75FA48ED1E3}"/>
+                <a16:creationId xmlns:a16="http://schemas.microsoft.com/office/drawing/2014/main" xmlns="" id="{FE90F614-AC4A-442B-82E1-F75FA48ED1E3}"/>
               </a:ext>
             </a:extLst>
           </p:cNvPr>
@@ -5495,6 +5585,13 @@
   <p:clrMapOvr>
     <a:masterClrMapping/>
   </p:clrMapOvr>
+  <p:timing>
+    <p:tnLst>
+      <p:par>
+        <p:cTn id="1" dur="indefinite" restart="never" nodeType="tmRoot"/>
+      </p:par>
+    </p:tnLst>
+  </p:timing>
 </p:sld>
 </file>
 
@@ -5520,7 +5617,7 @@
           <p:cNvPr id="2" name="Title 1">
             <a:extLst>
               <a:ext uri="{FF2B5EF4-FFF2-40B4-BE49-F238E27FC236}">
-                <a16:creationId xmlns:a16="http://schemas.microsoft.com/office/drawing/2014/main" id="{993EF7AE-C2B1-4A37-B703-D77DF16B43E9}"/>
+                <a16:creationId xmlns:a16="http://schemas.microsoft.com/office/drawing/2014/main" xmlns="" id="{993EF7AE-C2B1-4A37-B703-D77DF16B43E9}"/>
               </a:ext>
             </a:extLst>
           </p:cNvPr>
@@ -5545,7 +5642,15 @@
           <a:p>
             <a:r>
               <a:rPr lang="en-US" sz="2800" dirty="0"/>
-              <a:t>PRE-Trained (XCEPTION) MODEL with LAYERS ADDED AT THE END</a:t>
+              <a:t>PRE-Trained (</a:t>
+            </a:r>
+            <a:r>
+              <a:rPr lang="en-US" sz="2800" dirty="0" smtClean="0"/>
+              <a:t>XcEPTION) </a:t>
+            </a:r>
+            <a:r>
+              <a:rPr lang="en-US" sz="2800" dirty="0"/>
+              <a:t>MODEL with LAYERS ADDED AT THE END</a:t>
             </a:r>
           </a:p>
         </p:txBody>
@@ -5555,7 +5660,7 @@
           <p:cNvPr id="4" name="Picture 3">
             <a:extLst>
               <a:ext uri="{FF2B5EF4-FFF2-40B4-BE49-F238E27FC236}">
-                <a16:creationId xmlns:a16="http://schemas.microsoft.com/office/drawing/2014/main" id="{09A7DC3A-3C5B-434B-8099-FA6735A35791}"/>
+                <a16:creationId xmlns:a16="http://schemas.microsoft.com/office/drawing/2014/main" xmlns="" id="{09A7DC3A-3C5B-434B-8099-FA6735A35791}"/>
               </a:ext>
             </a:extLst>
           </p:cNvPr>
@@ -5580,6 +5685,80 @@
           </a:prstGeom>
         </p:spPr>
       </p:pic>
+      <p:sp>
+        <p:nvSpPr>
+          <p:cNvPr id="6" name="Title 1">
+            <a:extLst>
+              <a:ext uri="{FF2B5EF4-FFF2-40B4-BE49-F238E27FC236}">
+                <a16:creationId xmlns:a16="http://schemas.microsoft.com/office/drawing/2014/main" xmlns="" id="{DDE212F5-8B33-4257-934F-DC511ABB87B1}"/>
+              </a:ext>
+            </a:extLst>
+          </p:cNvPr>
+          <p:cNvSpPr txBox="1">
+            <a:spLocks/>
+          </p:cNvSpPr>
+          <p:nvPr/>
+        </p:nvSpPr>
+        <p:spPr>
+          <a:xfrm>
+            <a:off x="281549" y="4719878"/>
+            <a:ext cx="3493634" cy="1090372"/>
+          </a:xfrm>
+          <a:prstGeom prst="rect">
+            <a:avLst/>
+          </a:prstGeom>
+        </p:spPr>
+        <p:txBody>
+          <a:bodyPr vert="horz" lIns="91440" tIns="45720" rIns="91440" bIns="45720" rtlCol="0" anchor="ctr">
+            <a:normAutofit/>
+          </a:bodyPr>
+          <a:lstStyle>
+            <a:lvl1pPr algn="l" defTabSz="914400" rtl="0" eaLnBrk="1" latinLnBrk="0" hangingPunct="1">
+              <a:lnSpc>
+                <a:spcPct val="90000"/>
+              </a:lnSpc>
+              <a:spcBef>
+                <a:spcPct val="0"/>
+              </a:spcBef>
+              <a:buNone/>
+              <a:defRPr sz="5400" kern="1200" cap="all" baseline="0">
+                <a:blipFill>
+                  <a:blip r:embed="rId3">
+                    <a:extLst>
+                      <a:ext uri="{28A0092B-C50C-407E-A947-70E740481C1C}">
+                        <a14:useLocalDpi xmlns:a14="http://schemas.microsoft.com/office/drawing/2010/main" val="0"/>
+                      </a:ext>
+                    </a:extLst>
+                  </a:blip>
+                  <a:tile tx="6350" ty="-127000" sx="65000" sy="64000" flip="none" algn="tl"/>
+                </a:blipFill>
+                <a:latin typeface="+mj-lt"/>
+                <a:ea typeface="+mj-ea"/>
+                <a:cs typeface="+mj-cs"/>
+              </a:defRPr>
+            </a:lvl1pPr>
+          </a:lstStyle>
+          <a:p>
+            <a:r>
+              <a:rPr lang="en-US" sz="1600" dirty="0" smtClean="0"/>
+              <a:t>Other Options: </a:t>
+            </a:r>
+          </a:p>
+          <a:p>
+            <a:r>
+              <a:rPr lang="en-US" sz="1600" dirty="0" smtClean="0"/>
+              <a:t>ResNETV40</a:t>
+            </a:r>
+          </a:p>
+          <a:p>
+            <a:r>
+              <a:rPr lang="en-US" sz="1600" dirty="0" smtClean="0"/>
+              <a:t>INCEPTION RESNETV2</a:t>
+            </a:r>
+            <a:endParaRPr lang="en-US" sz="1600" dirty="0"/>
+          </a:p>
+        </p:txBody>
+      </p:sp>
     </p:spTree>
     <p:extLst>
       <p:ext uri="{BB962C8B-B14F-4D97-AF65-F5344CB8AC3E}">
@@ -5590,6 +5769,13 @@
   <p:clrMapOvr>
     <a:masterClrMapping/>
   </p:clrMapOvr>
+  <p:timing>
+    <p:tnLst>
+      <p:par>
+        <p:cTn id="1" dur="indefinite" restart="never" nodeType="tmRoot"/>
+      </p:par>
+    </p:tnLst>
+  </p:timing>
 </p:sld>
 </file>
 
@@ -5615,7 +5801,7 @@
           <p:cNvPr id="2" name="Title 1">
             <a:extLst>
               <a:ext uri="{FF2B5EF4-FFF2-40B4-BE49-F238E27FC236}">
-                <a16:creationId xmlns:a16="http://schemas.microsoft.com/office/drawing/2014/main" id="{993EF7AE-C2B1-4A37-B703-D77DF16B43E9}"/>
+                <a16:creationId xmlns:a16="http://schemas.microsoft.com/office/drawing/2014/main" xmlns="" id="{993EF7AE-C2B1-4A37-B703-D77DF16B43E9}"/>
               </a:ext>
             </a:extLst>
           </p:cNvPr>
@@ -5650,7 +5836,7 @@
           <p:cNvPr id="4" name="Title 1">
             <a:extLst>
               <a:ext uri="{FF2B5EF4-FFF2-40B4-BE49-F238E27FC236}">
-                <a16:creationId xmlns:a16="http://schemas.microsoft.com/office/drawing/2014/main" id="{3E6AB03B-43BD-4546-8A21-257CF64EFFB0}"/>
+                <a16:creationId xmlns:a16="http://schemas.microsoft.com/office/drawing/2014/main" xmlns="" id="{3E6AB03B-43BD-4546-8A21-257CF64EFFB0}"/>
               </a:ext>
             </a:extLst>
           </p:cNvPr>
@@ -5711,7 +5897,7 @@
           <p:cNvPr id="5" name="Picture 4">
             <a:extLst>
               <a:ext uri="{FF2B5EF4-FFF2-40B4-BE49-F238E27FC236}">
-                <a16:creationId xmlns:a16="http://schemas.microsoft.com/office/drawing/2014/main" id="{A214A332-3B62-4E83-8F29-B9E7B7239E51}"/>
+                <a16:creationId xmlns:a16="http://schemas.microsoft.com/office/drawing/2014/main" xmlns="" id="{A214A332-3B62-4E83-8F29-B9E7B7239E51}"/>
               </a:ext>
             </a:extLst>
           </p:cNvPr>
@@ -5744,6 +5930,13 @@
   <p:clrMapOvr>
     <a:masterClrMapping/>
   </p:clrMapOvr>
+  <p:timing>
+    <p:tnLst>
+      <p:par>
+        <p:cTn id="1" dur="indefinite" restart="never" nodeType="tmRoot"/>
+      </p:par>
+    </p:tnLst>
+  </p:timing>
 </p:sld>
 </file>
 
